--- a/Avonlea.pptx
+++ b/Avonlea.pptx
@@ -116,9 +116,111 @@
 <p1510:revInfo xmlns:a="http://schemas.openxmlformats.org/drawingml/2006/main" xmlns:r="http://schemas.openxmlformats.org/officeDocument/2006/relationships" xmlns:p1510="http://schemas.microsoft.com/office/powerpoint/2015/10/main">
   <p1510:revLst>
     <p1510:client id="{66EA1451-93CF-4F36-9370-5F00DC2E7964}" v="6" dt="2020-12-07T14:27:02.677"/>
+    <p1510:client id="{AA042FDF-E8FE-4B40-8AC3-883443977088}" v="8" dt="2020-12-07T15:16:59.848"/>
     <p1510:client id="{C9D95825-872A-4DC3-8EFA-D9F9194746E9}" v="22" dt="2020-12-07T14:10:44.394"/>
   </p1510:revLst>
 </p1510:revInfo>
+</file>
+
+<file path=ppt/changesInfos/changesInfo1.xml><?xml version="1.0" encoding="utf-8"?>
+<pc:chgInfo xmlns:a="http://schemas.openxmlformats.org/drawingml/2006/main" xmlns:r="http://schemas.openxmlformats.org/officeDocument/2006/relationships" xmlns:ac="http://schemas.microsoft.com/office/drawing/2013/main/command" xmlns:pc="http://schemas.microsoft.com/office/powerpoint/2013/main/command">
+  <pc:docChgLst>
+    <pc:chgData name="Mathias, Oliver" userId="3c35d172-95ef-47b9-9358-553ac6bebe2b" providerId="ADAL" clId="{AA042FDF-E8FE-4B40-8AC3-883443977088}"/>
+    <pc:docChg chg="custSel modSld">
+      <pc:chgData name="Mathias, Oliver" userId="3c35d172-95ef-47b9-9358-553ac6bebe2b" providerId="ADAL" clId="{AA042FDF-E8FE-4B40-8AC3-883443977088}" dt="2020-12-07T15:17:01.895" v="81" actId="2085"/>
+      <pc:docMkLst>
+        <pc:docMk/>
+      </pc:docMkLst>
+      <pc:sldChg chg="addSp delSp modSp">
+        <pc:chgData name="Mathias, Oliver" userId="3c35d172-95ef-47b9-9358-553ac6bebe2b" providerId="ADAL" clId="{AA042FDF-E8FE-4B40-8AC3-883443977088}" dt="2020-12-07T15:17:01.895" v="81" actId="2085"/>
+        <pc:sldMkLst>
+          <pc:docMk/>
+          <pc:sldMk cId="834691747" sldId="256"/>
+        </pc:sldMkLst>
+        <pc:spChg chg="mod">
+          <ac:chgData name="Mathias, Oliver" userId="3c35d172-95ef-47b9-9358-553ac6bebe2b" providerId="ADAL" clId="{AA042FDF-E8FE-4B40-8AC3-883443977088}" dt="2020-12-07T15:16:35.547" v="76" actId="1076"/>
+          <ac:spMkLst>
+            <pc:docMk/>
+            <pc:sldMk cId="834691747" sldId="256"/>
+            <ac:spMk id="4" creationId="{126DF309-7F49-430E-BC7B-3DDF89288044}"/>
+          </ac:spMkLst>
+        </pc:spChg>
+        <pc:spChg chg="add mod">
+          <ac:chgData name="Mathias, Oliver" userId="3c35d172-95ef-47b9-9358-553ac6bebe2b" providerId="ADAL" clId="{AA042FDF-E8FE-4B40-8AC3-883443977088}" dt="2020-12-07T15:17:01.895" v="81" actId="2085"/>
+          <ac:spMkLst>
+            <pc:docMk/>
+            <pc:sldMk cId="834691747" sldId="256"/>
+            <ac:spMk id="5" creationId="{A8380743-21AB-4C1E-955C-81CA0B98780E}"/>
+          </ac:spMkLst>
+        </pc:spChg>
+        <pc:spChg chg="mod">
+          <ac:chgData name="Mathias, Oliver" userId="3c35d172-95ef-47b9-9358-553ac6bebe2b" providerId="ADAL" clId="{AA042FDF-E8FE-4B40-8AC3-883443977088}" dt="2020-12-07T15:15:54.031" v="67" actId="1076"/>
+          <ac:spMkLst>
+            <pc:docMk/>
+            <pc:sldMk cId="834691747" sldId="256"/>
+            <ac:spMk id="15" creationId="{9577E85B-439B-43B6-AF95-C1383F51C174}"/>
+          </ac:spMkLst>
+        </pc:spChg>
+        <pc:spChg chg="add mod">
+          <ac:chgData name="Mathias, Oliver" userId="3c35d172-95ef-47b9-9358-553ac6bebe2b" providerId="ADAL" clId="{AA042FDF-E8FE-4B40-8AC3-883443977088}" dt="2020-12-07T15:15:20.590" v="60" actId="164"/>
+          <ac:spMkLst>
+            <pc:docMk/>
+            <pc:sldMk cId="834691747" sldId="256"/>
+            <ac:spMk id="20" creationId="{6A163B6C-1AA7-4379-9B08-91254AC44492}"/>
+          </ac:spMkLst>
+        </pc:spChg>
+        <pc:grpChg chg="del">
+          <ac:chgData name="Mathias, Oliver" userId="3c35d172-95ef-47b9-9358-553ac6bebe2b" providerId="ADAL" clId="{AA042FDF-E8FE-4B40-8AC3-883443977088}" dt="2020-12-07T15:15:22.399" v="61" actId="478"/>
+          <ac:grpSpMkLst>
+            <pc:docMk/>
+            <pc:sldMk cId="834691747" sldId="256"/>
+            <ac:grpSpMk id="2" creationId="{32F7E7F7-3145-4DF5-B518-1C3C73863EB3}"/>
+          </ac:grpSpMkLst>
+        </pc:grpChg>
+        <pc:grpChg chg="add mod">
+          <ac:chgData name="Mathias, Oliver" userId="3c35d172-95ef-47b9-9358-553ac6bebe2b" providerId="ADAL" clId="{AA042FDF-E8FE-4B40-8AC3-883443977088}" dt="2020-12-07T15:15:48.996" v="66" actId="408"/>
+          <ac:grpSpMkLst>
+            <pc:docMk/>
+            <pc:sldMk cId="834691747" sldId="256"/>
+            <ac:grpSpMk id="3" creationId="{2BED0C61-22F2-4E36-B4C6-85BABF2787BA}"/>
+          </ac:grpSpMkLst>
+        </pc:grpChg>
+        <pc:picChg chg="mod">
+          <ac:chgData name="Mathias, Oliver" userId="3c35d172-95ef-47b9-9358-553ac6bebe2b" providerId="ADAL" clId="{AA042FDF-E8FE-4B40-8AC3-883443977088}" dt="2020-12-07T15:15:48.996" v="66" actId="408"/>
+          <ac:picMkLst>
+            <pc:docMk/>
+            <pc:sldMk cId="834691747" sldId="256"/>
+            <ac:picMk id="11" creationId="{AEBCFA8E-9818-4217-BC38-DE04BC3295C2}"/>
+          </ac:picMkLst>
+        </pc:picChg>
+        <pc:picChg chg="mod">
+          <ac:chgData name="Mathias, Oliver" userId="3c35d172-95ef-47b9-9358-553ac6bebe2b" providerId="ADAL" clId="{AA042FDF-E8FE-4B40-8AC3-883443977088}" dt="2020-12-07T15:15:48.996" v="66" actId="408"/>
+          <ac:picMkLst>
+            <pc:docMk/>
+            <pc:sldMk cId="834691747" sldId="256"/>
+            <ac:picMk id="12" creationId="{23FF7176-7776-405F-B8FF-B06911A102CF}"/>
+          </ac:picMkLst>
+        </pc:picChg>
+        <pc:picChg chg="add mod">
+          <ac:chgData name="Mathias, Oliver" userId="3c35d172-95ef-47b9-9358-553ac6bebe2b" providerId="ADAL" clId="{AA042FDF-E8FE-4B40-8AC3-883443977088}" dt="2020-12-07T15:15:20.590" v="60" actId="164"/>
+          <ac:picMkLst>
+            <pc:docMk/>
+            <pc:sldMk cId="834691747" sldId="256"/>
+            <ac:picMk id="19" creationId="{8F54BAC7-6C8F-413A-BEC1-0D523BD71EF6}"/>
+          </ac:picMkLst>
+        </pc:picChg>
+        <pc:picChg chg="add mod">
+          <ac:chgData name="Mathias, Oliver" userId="3c35d172-95ef-47b9-9358-553ac6bebe2b" providerId="ADAL" clId="{AA042FDF-E8FE-4B40-8AC3-883443977088}" dt="2020-12-07T15:15:20.590" v="60" actId="164"/>
+          <ac:picMkLst>
+            <pc:docMk/>
+            <pc:sldMk cId="834691747" sldId="256"/>
+            <ac:picMk id="21" creationId="{ABABA6C4-CC2D-4E23-AA76-19AEC9B8D18A}"/>
+          </ac:picMkLst>
+        </pc:picChg>
+      </pc:sldChg>
+    </pc:docChg>
+  </pc:docChgLst>
+</pc:chgInfo>
 </file>
 
 <file path=ppt/slideLayouts/slideLayout1.xml><?xml version="1.0" encoding="utf-8"?>
@@ -3349,7 +3451,7 @@
         </p:nvSpPr>
         <p:spPr>
           <a:xfrm>
-            <a:off x="1007035" y="754962"/>
+            <a:off x="994734" y="771364"/>
             <a:ext cx="10357733" cy="5625815"/>
           </a:xfrm>
           <a:prstGeom prst="rect">
@@ -3530,7 +3632,7 @@
         </p:blipFill>
         <p:spPr>
           <a:xfrm>
-            <a:off x="5509589" y="3268726"/>
+            <a:off x="5347019" y="3248239"/>
             <a:ext cx="1528879" cy="1463040"/>
           </a:xfrm>
           <a:prstGeom prst="rect">
@@ -3560,7 +3662,7 @@
         </p:blipFill>
         <p:spPr>
           <a:xfrm>
-            <a:off x="2540512" y="3268726"/>
+            <a:off x="2556913" y="3248239"/>
             <a:ext cx="1492158" cy="1463040"/>
           </a:xfrm>
           <a:prstGeom prst="rect">
@@ -3635,7 +3737,7 @@
         </p:nvSpPr>
         <p:spPr>
           <a:xfrm>
-            <a:off x="5309301" y="4914610"/>
+            <a:off x="5166376" y="4914610"/>
             <a:ext cx="1859248" cy="584775"/>
           </a:xfrm>
           <a:prstGeom prst="rect">
@@ -3674,12 +3776,65 @@
           </a:p>
         </p:txBody>
       </p:sp>
+      <p:sp>
+        <p:nvSpPr>
+          <p:cNvPr id="25" name="TextBox 24">
+            <a:extLst>
+              <a:ext uri="{FF2B5EF4-FFF2-40B4-BE49-F238E27FC236}">
+                <a16:creationId xmlns:a16="http://schemas.microsoft.com/office/drawing/2014/main" id="{57238659-6099-4799-B826-67DE5167E330}"/>
+              </a:ext>
+            </a:extLst>
+          </p:cNvPr>
+          <p:cNvSpPr txBox="1"/>
+          <p:nvPr/>
+        </p:nvSpPr>
+        <p:spPr>
+          <a:xfrm>
+            <a:off x="7682893" y="4914610"/>
+            <a:ext cx="2684415" cy="584775"/>
+          </a:xfrm>
+          <a:prstGeom prst="rect">
+            <a:avLst/>
+          </a:prstGeom>
+          <a:noFill/>
+        </p:spPr>
+        <p:txBody>
+          <a:bodyPr wrap="square" rtlCol="0">
+            <a:spAutoFit/>
+          </a:bodyPr>
+          <a:lstStyle/>
+          <a:p>
+            <a:r>
+              <a:rPr lang="en-US" sz="1600" dirty="0">
+                <a:solidFill>
+                  <a:schemeClr val="bg1"/>
+                </a:solidFill>
+                <a:latin typeface="Arial" panose="020B0604020202020204" pitchFamily="34" charset="0"/>
+                <a:cs typeface="Arial" panose="020B0604020202020204" pitchFamily="34" charset="0"/>
+              </a:rPr>
+              <a:t>          THANK YOU</a:t>
+            </a:r>
+          </a:p>
+          <a:p>
+            <a:r>
+              <a:rPr lang="en-US" sz="1600" dirty="0">
+                <a:solidFill>
+                  <a:schemeClr val="bg1"/>
+                </a:solidFill>
+                <a:latin typeface="Arial" panose="020B0604020202020204" pitchFamily="34" charset="0"/>
+                <a:cs typeface="Arial" panose="020B0604020202020204" pitchFamily="34" charset="0"/>
+              </a:rPr>
+              <a:t>FOR USING TRASH BINS</a:t>
+            </a:r>
+          </a:p>
+        </p:txBody>
+      </p:sp>
       <p:grpSp>
         <p:nvGrpSpPr>
-          <p:cNvPr id="2" name="Group 1">
-            <a:extLst>
-              <a:ext uri="{FF2B5EF4-FFF2-40B4-BE49-F238E27FC236}">
-                <a16:creationId xmlns:a16="http://schemas.microsoft.com/office/drawing/2014/main" id="{32F7E7F7-3145-4DF5-B518-1C3C73863EB3}"/>
+          <p:cNvPr id="3" name="Group 2">
+            <a:extLst>
+              <a:ext uri="{FF2B5EF4-FFF2-40B4-BE49-F238E27FC236}">
+                <a16:creationId xmlns:a16="http://schemas.microsoft.com/office/drawing/2014/main" id="{2BED0C61-22F2-4E36-B4C6-85BABF2787BA}"/>
               </a:ext>
             </a:extLst>
           </p:cNvPr>
@@ -3688,18 +3843,18 @@
         </p:nvGrpSpPr>
         <p:grpSpPr>
           <a:xfrm>
-            <a:off x="8137122" y="3268726"/>
+            <a:off x="8173846" y="3248239"/>
             <a:ext cx="1528879" cy="1463040"/>
-            <a:chOff x="8137122" y="3268726"/>
+            <a:chOff x="9724013" y="3268726"/>
             <a:chExt cx="1528879" cy="1463040"/>
           </a:xfrm>
         </p:grpSpPr>
         <p:pic>
           <p:nvPicPr>
-            <p:cNvPr id="17" name="Picture 16">
+            <p:cNvPr id="19" name="Picture 18">
               <a:extLst>
                 <a:ext uri="{FF2B5EF4-FFF2-40B4-BE49-F238E27FC236}">
-                  <a16:creationId xmlns:a16="http://schemas.microsoft.com/office/drawing/2014/main" id="{DDC576AE-6311-445D-9819-397FFD6E290D}"/>
+                  <a16:creationId xmlns:a16="http://schemas.microsoft.com/office/drawing/2014/main" id="{8F54BAC7-6C8F-413A-BEC1-0D523BD71EF6}"/>
                 </a:ext>
               </a:extLst>
             </p:cNvPr>
@@ -3716,7 +3871,7 @@
           </p:blipFill>
           <p:spPr>
             <a:xfrm>
-              <a:off x="8137122" y="3268726"/>
+              <a:off x="9724013" y="3268726"/>
               <a:ext cx="1528879" cy="1463040"/>
             </a:xfrm>
             <a:prstGeom prst="rect">
@@ -3726,10 +3881,10 @@
         </p:pic>
         <p:sp>
           <p:nvSpPr>
-            <p:cNvPr id="16" name="Rectangle 15">
+            <p:cNvPr id="20" name="Rectangle 19">
               <a:extLst>
                 <a:ext uri="{FF2B5EF4-FFF2-40B4-BE49-F238E27FC236}">
-                  <a16:creationId xmlns:a16="http://schemas.microsoft.com/office/drawing/2014/main" id="{57750144-A31B-4DF1-9088-21077E3B8AD8}"/>
+                  <a16:creationId xmlns:a16="http://schemas.microsoft.com/office/drawing/2014/main" id="{6A163B6C-1AA7-4379-9B08-91254AC44492}"/>
                 </a:ext>
               </a:extLst>
             </p:cNvPr>
@@ -3738,7 +3893,7 @@
           </p:nvSpPr>
           <p:spPr>
             <a:xfrm>
-              <a:off x="8237373" y="3374413"/>
+              <a:off x="9824264" y="3374413"/>
               <a:ext cx="1287728" cy="1223654"/>
             </a:xfrm>
             <a:prstGeom prst="rect">
@@ -3747,6 +3902,9 @@
             <a:solidFill>
               <a:srgbClr val="003F16"/>
             </a:solidFill>
+            <a:ln>
+              <a:noFill/>
+            </a:ln>
           </p:spPr>
           <p:style>
             <a:lnRef idx="2">
@@ -3775,10 +3933,10 @@
         </p:sp>
         <p:pic>
           <p:nvPicPr>
-            <p:cNvPr id="18" name="Picture 17">
+            <p:cNvPr id="21" name="Picture 20">
               <a:extLst>
                 <a:ext uri="{FF2B5EF4-FFF2-40B4-BE49-F238E27FC236}">
-                  <a16:creationId xmlns:a16="http://schemas.microsoft.com/office/drawing/2014/main" id="{EDF8E236-B37A-47C3-B000-B16154794B2F}"/>
+                  <a16:creationId xmlns:a16="http://schemas.microsoft.com/office/drawing/2014/main" id="{ABABA6C4-CC2D-4E23-AA76-19AEC9B8D18A}"/>
                 </a:ext>
               </a:extLst>
             </p:cNvPr>
@@ -3794,6 +3952,26 @@
                 <a:ext uri="{BEBA8EAE-BF5A-486C-A8C5-ECC9F3942E4B}">
                   <a14:imgProps xmlns:a14="http://schemas.microsoft.com/office/drawing/2010/main">
                     <a14:imgLayer r:embed="rId5">
+                      <a14:imgEffect>
+                        <a14:backgroundRemoval t="2202" b="95365" l="9577" r="89577">
+                          <a14:foregroundMark x1="72958" y1="33604" x2="72958" y2="33604"/>
+                          <a14:foregroundMark x1="79061" y1="70104" x2="79061" y2="70104"/>
+                          <a14:foregroundMark x1="71831" y1="11124" x2="71831" y2="11124"/>
+                          <a14:foregroundMark x1="69765" y1="4519" x2="69765" y2="4519"/>
+                          <a14:foregroundMark x1="69484" y1="2549" x2="69484" y2="2549"/>
+                          <a14:foregroundMark x1="67887" y1="2433" x2="67887" y2="2433"/>
+                          <a14:foregroundMark x1="48263" y1="21900" x2="48263" y2="21900"/>
+                          <a14:foregroundMark x1="34836" y1="91425" x2="34836" y2="91425"/>
+                          <a14:foregroundMark x1="29859" y1="92468" x2="29390" y2="92468"/>
+                          <a14:foregroundMark x1="19061" y1="91889" x2="19061" y2="91889"/>
+                          <a14:foregroundMark x1="21690" y1="95365" x2="21690" y2="95365"/>
+                          <a14:foregroundMark x1="25258" y1="41136" x2="25258" y2="41136"/>
+                          <a14:foregroundMark x1="81315" y1="38007" x2="81315" y2="38007"/>
+                          <a14:foregroundMark x1="79061" y1="37775" x2="79061" y2="37775"/>
+                          <a14:foregroundMark x1="80376" y1="40324" x2="67793" y2="25492"/>
+                          <a14:foregroundMark x1="81784" y1="74044" x2="73521" y2="58980"/>
+                        </a14:backgroundRemoval>
+                      </a14:imgEffect>
                       <a14:imgEffect>
                         <a14:colorTemperature colorTemp="11200"/>
                       </a14:imgEffect>
@@ -3811,7 +3989,7 @@
           </p:blipFill>
           <p:spPr>
             <a:xfrm>
-              <a:off x="8280860" y="3513752"/>
+              <a:off x="9919771" y="3535075"/>
               <a:ext cx="1192221" cy="966090"/>
             </a:xfrm>
             <a:prstGeom prst="rect">
@@ -3823,54 +4001,53 @@
       </p:grpSp>
       <p:sp>
         <p:nvSpPr>
-          <p:cNvPr id="25" name="TextBox 24">
-            <a:extLst>
-              <a:ext uri="{FF2B5EF4-FFF2-40B4-BE49-F238E27FC236}">
-                <a16:creationId xmlns:a16="http://schemas.microsoft.com/office/drawing/2014/main" id="{57238659-6099-4799-B826-67DE5167E330}"/>
-              </a:ext>
-            </a:extLst>
-          </p:cNvPr>
-          <p:cNvSpPr txBox="1"/>
+          <p:cNvPr id="5" name="Rectangle 4">
+            <a:extLst>
+              <a:ext uri="{FF2B5EF4-FFF2-40B4-BE49-F238E27FC236}">
+                <a16:creationId xmlns:a16="http://schemas.microsoft.com/office/drawing/2014/main" id="{A8380743-21AB-4C1E-955C-81CA0B98780E}"/>
+              </a:ext>
+            </a:extLst>
+          </p:cNvPr>
+          <p:cNvSpPr/>
           <p:nvPr/>
         </p:nvSpPr>
         <p:spPr>
           <a:xfrm>
-            <a:off x="7682893" y="4914610"/>
-            <a:ext cx="2684415" cy="584775"/>
+            <a:off x="8253597" y="4012472"/>
+            <a:ext cx="234333" cy="344438"/>
           </a:xfrm>
           <a:prstGeom prst="rect">
             <a:avLst/>
           </a:prstGeom>
-          <a:noFill/>
+          <a:solidFill>
+            <a:srgbClr val="003F16"/>
+          </a:solidFill>
+          <a:ln>
+            <a:noFill/>
+          </a:ln>
         </p:spPr>
-        <p:txBody>
-          <a:bodyPr wrap="square" rtlCol="0">
-            <a:spAutoFit/>
-          </a:bodyPr>
-          <a:lstStyle/>
-          <a:p>
-            <a:r>
-              <a:rPr lang="en-US" sz="1600" dirty="0">
-                <a:solidFill>
-                  <a:schemeClr val="bg1"/>
-                </a:solidFill>
-                <a:latin typeface="Arial" panose="020B0604020202020204" pitchFamily="34" charset="0"/>
-                <a:cs typeface="Arial" panose="020B0604020202020204" pitchFamily="34" charset="0"/>
-              </a:rPr>
-              <a:t>          THANK YOU</a:t>
-            </a:r>
-          </a:p>
-          <a:p>
-            <a:r>
-              <a:rPr lang="en-US" sz="1600" dirty="0">
-                <a:solidFill>
-                  <a:schemeClr val="bg1"/>
-                </a:solidFill>
-                <a:latin typeface="Arial" panose="020B0604020202020204" pitchFamily="34" charset="0"/>
-                <a:cs typeface="Arial" panose="020B0604020202020204" pitchFamily="34" charset="0"/>
-              </a:rPr>
-              <a:t>FOR USING TRASH BINS</a:t>
-            </a:r>
+        <p:style>
+          <a:lnRef idx="2">
+            <a:schemeClr val="accent1">
+              <a:shade val="50000"/>
+            </a:schemeClr>
+          </a:lnRef>
+          <a:fillRef idx="1">
+            <a:schemeClr val="accent1"/>
+          </a:fillRef>
+          <a:effectRef idx="0">
+            <a:schemeClr val="accent1"/>
+          </a:effectRef>
+          <a:fontRef idx="minor">
+            <a:schemeClr val="lt1"/>
+          </a:fontRef>
+        </p:style>
+        <p:txBody>
+          <a:bodyPr rtlCol="0" anchor="ctr"/>
+          <a:lstStyle/>
+          <a:p>
+            <a:pPr algn="ctr"/>
+            <a:endParaRPr lang="en-US"/>
           </a:p>
         </p:txBody>
       </p:sp>
@@ -4406,18 +4583,18 @@
 </file>
 
 <file path=customXml/item2.xml><?xml version="1.0" encoding="utf-8"?>
-<p:properties xmlns:p="http://schemas.microsoft.com/office/2006/metadata/properties" xmlns:xsi="http://www.w3.org/2001/XMLSchema-instance" xmlns:pc="http://schemas.microsoft.com/office/infopath/2007/PartnerControls">
-  <documentManagement/>
-</p:properties>
-</file>
-
-<file path=customXml/item3.xml><?xml version="1.0" encoding="utf-8"?>
 <?mso-contentType ?>
 <FormTemplates xmlns="http://schemas.microsoft.com/sharepoint/v3/contenttype/forms">
   <Display>DocumentLibraryForm</Display>
   <Edit>DocumentLibraryForm</Edit>
   <New>DocumentLibraryForm</New>
 </FormTemplates>
+</file>
+
+<file path=customXml/item3.xml><?xml version="1.0" encoding="utf-8"?>
+<p:properties xmlns:p="http://schemas.microsoft.com/office/2006/metadata/properties" xmlns:xsi="http://www.w3.org/2001/XMLSchema-instance" xmlns:pc="http://schemas.microsoft.com/office/infopath/2007/PartnerControls">
+  <documentManagement/>
+</p:properties>
 </file>
 
 <file path=customXml/itemProps1.xml><?xml version="1.0" encoding="utf-8"?>
@@ -4440,26 +4617,18 @@
 </file>
 
 <file path=customXml/itemProps2.xml><?xml version="1.0" encoding="utf-8"?>
-<ds:datastoreItem xmlns:ds="http://schemas.openxmlformats.org/officeDocument/2006/customXml" ds:itemID="{FB1C5BF5-BCCA-4D41-A34D-E061E4525711}">
+<ds:datastoreItem xmlns:ds="http://schemas.openxmlformats.org/officeDocument/2006/customXml" ds:itemID="{E189730A-2C6E-4C0B-9D9F-C3E20F12127F}">
   <ds:schemaRefs>
-    <ds:schemaRef ds:uri="http://schemas.openxmlformats.org/package/2006/metadata/core-properties"/>
-    <ds:schemaRef ds:uri="http://purl.org/dc/elements/1.1/"/>
-    <ds:schemaRef ds:uri="http://purl.org/dc/terms/"/>
-    <ds:schemaRef ds:uri="5cb7d95f-e878-4ec3-984d-0630c8625771"/>
-    <ds:schemaRef ds:uri="http://schemas.microsoft.com/office/2006/documentManagement/types"/>
-    <ds:schemaRef ds:uri="http://www.w3.org/XML/1998/namespace"/>
-    <ds:schemaRef ds:uri="http://schemas.microsoft.com/office/2006/metadata/properties"/>
-    <ds:schemaRef ds:uri="http://schemas.microsoft.com/office/infopath/2007/PartnerControls"/>
-    <ds:schemaRef ds:uri="ffa8a362-4a76-4dc0-951c-d546520a2a5a"/>
-    <ds:schemaRef ds:uri="http://purl.org/dc/dcmitype/"/>
+    <ds:schemaRef ds:uri="http://schemas.microsoft.com/sharepoint/v3/contenttype/forms"/>
   </ds:schemaRefs>
 </ds:datastoreItem>
 </file>
 
 <file path=customXml/itemProps3.xml><?xml version="1.0" encoding="utf-8"?>
-<ds:datastoreItem xmlns:ds="http://schemas.openxmlformats.org/officeDocument/2006/customXml" ds:itemID="{E189730A-2C6E-4C0B-9D9F-C3E20F12127F}">
+<ds:datastoreItem xmlns:ds="http://schemas.openxmlformats.org/officeDocument/2006/customXml" ds:itemID="{FB1C5BF5-BCCA-4D41-A34D-E061E4525711}">
   <ds:schemaRefs>
-    <ds:schemaRef ds:uri="http://schemas.microsoft.com/sharepoint/v3/contenttype/forms"/>
+    <ds:schemaRef ds:uri="http://schemas.microsoft.com/office/2006/metadata/properties"/>
+    <ds:schemaRef ds:uri="http://schemas.microsoft.com/office/infopath/2007/PartnerControls"/>
   </ds:schemaRefs>
 </ds:datastoreItem>
 </file>